--- a/boards/light-shield/light-shield-pinout.pptx
+++ b/boards/light-shield/light-shield-pinout.pptx
@@ -241,7 +241,7 @@
           <a:p>
             <a:fld id="{C4837162-BF4A-4F96-959A-FC5D79B042DC}" type="datetimeFigureOut">
               <a:rPr lang="en-US" smtClean="0"/>
-              <a:t>9/28/2019</a:t>
+              <a:t>2/18/2023</a:t>
             </a:fld>
             <a:endParaRPr lang="en-US"/>
           </a:p>
@@ -409,7 +409,7 @@
           <a:p>
             <a:fld id="{C4837162-BF4A-4F96-959A-FC5D79B042DC}" type="datetimeFigureOut">
               <a:rPr lang="en-US" smtClean="0"/>
-              <a:t>9/28/2019</a:t>
+              <a:t>2/18/2023</a:t>
             </a:fld>
             <a:endParaRPr lang="en-US"/>
           </a:p>
@@ -587,7 +587,7 @@
           <a:p>
             <a:fld id="{C4837162-BF4A-4F96-959A-FC5D79B042DC}" type="datetimeFigureOut">
               <a:rPr lang="en-US" smtClean="0"/>
-              <a:t>9/28/2019</a:t>
+              <a:t>2/18/2023</a:t>
             </a:fld>
             <a:endParaRPr lang="en-US"/>
           </a:p>
@@ -755,7 +755,7 @@
           <a:p>
             <a:fld id="{C4837162-BF4A-4F96-959A-FC5D79B042DC}" type="datetimeFigureOut">
               <a:rPr lang="en-US" smtClean="0"/>
-              <a:t>9/28/2019</a:t>
+              <a:t>2/18/2023</a:t>
             </a:fld>
             <a:endParaRPr lang="en-US"/>
           </a:p>
@@ -1000,7 +1000,7 @@
           <a:p>
             <a:fld id="{C4837162-BF4A-4F96-959A-FC5D79B042DC}" type="datetimeFigureOut">
               <a:rPr lang="en-US" smtClean="0"/>
-              <a:t>9/28/2019</a:t>
+              <a:t>2/18/2023</a:t>
             </a:fld>
             <a:endParaRPr lang="en-US"/>
           </a:p>
@@ -1229,7 +1229,7 @@
           <a:p>
             <a:fld id="{C4837162-BF4A-4F96-959A-FC5D79B042DC}" type="datetimeFigureOut">
               <a:rPr lang="en-US" smtClean="0"/>
-              <a:t>9/28/2019</a:t>
+              <a:t>2/18/2023</a:t>
             </a:fld>
             <a:endParaRPr lang="en-US"/>
           </a:p>
@@ -1593,7 +1593,7 @@
           <a:p>
             <a:fld id="{C4837162-BF4A-4F96-959A-FC5D79B042DC}" type="datetimeFigureOut">
               <a:rPr lang="en-US" smtClean="0"/>
-              <a:t>9/28/2019</a:t>
+              <a:t>2/18/2023</a:t>
             </a:fld>
             <a:endParaRPr lang="en-US"/>
           </a:p>
@@ -1710,7 +1710,7 @@
           <a:p>
             <a:fld id="{C4837162-BF4A-4F96-959A-FC5D79B042DC}" type="datetimeFigureOut">
               <a:rPr lang="en-US" smtClean="0"/>
-              <a:t>9/28/2019</a:t>
+              <a:t>2/18/2023</a:t>
             </a:fld>
             <a:endParaRPr lang="en-US"/>
           </a:p>
@@ -1805,7 +1805,7 @@
           <a:p>
             <a:fld id="{C4837162-BF4A-4F96-959A-FC5D79B042DC}" type="datetimeFigureOut">
               <a:rPr lang="en-US" smtClean="0"/>
-              <a:t>9/28/2019</a:t>
+              <a:t>2/18/2023</a:t>
             </a:fld>
             <a:endParaRPr lang="en-US"/>
           </a:p>
@@ -2080,7 +2080,7 @@
           <a:p>
             <a:fld id="{C4837162-BF4A-4F96-959A-FC5D79B042DC}" type="datetimeFigureOut">
               <a:rPr lang="en-US" smtClean="0"/>
-              <a:t>9/28/2019</a:t>
+              <a:t>2/18/2023</a:t>
             </a:fld>
             <a:endParaRPr lang="en-US"/>
           </a:p>
@@ -2332,7 +2332,7 @@
           <a:p>
             <a:fld id="{C4837162-BF4A-4F96-959A-FC5D79B042DC}" type="datetimeFigureOut">
               <a:rPr lang="en-US" smtClean="0"/>
-              <a:t>9/28/2019</a:t>
+              <a:t>2/18/2023</a:t>
             </a:fld>
             <a:endParaRPr lang="en-US"/>
           </a:p>
@@ -2543,7 +2543,7 @@
           <a:p>
             <a:fld id="{C4837162-BF4A-4F96-959A-FC5D79B042DC}" type="datetimeFigureOut">
               <a:rPr lang="en-US" smtClean="0"/>
-              <a:t>9/28/2019</a:t>
+              <a:t>2/18/2023</a:t>
             </a:fld>
             <a:endParaRPr lang="en-US"/>
           </a:p>
@@ -2950,7 +2950,7 @@
       </p:grpSpPr>
       <p:pic>
         <p:nvPicPr>
-          <p:cNvPr id="10" name="Picture 9" descr="A circuit board&#10;&#10;Description automatically generated">
+          <p:cNvPr id="10" name="Picture 9">
             <a:extLst>
               <a:ext uri="{FF2B5EF4-FFF2-40B4-BE49-F238E27FC236}">
                 <a16:creationId xmlns:a16="http://schemas.microsoft.com/office/drawing/2014/main" id="{77A6DEA6-7107-422F-9696-73F3435E40F3}"/>
@@ -2970,14 +2970,13 @@
               </a:ext>
             </a:extLst>
           </a:blip>
-          <a:stretch>
-            <a:fillRect/>
-          </a:stretch>
+          <a:srcRect/>
+          <a:stretch/>
         </p:blipFill>
         <p:spPr>
-          <a:xfrm rot="-60000">
-            <a:off x="2603543" y="1983807"/>
-            <a:ext cx="6812746" cy="6812746"/>
+          <a:xfrm>
+            <a:off x="2192784" y="907416"/>
+            <a:ext cx="7510507" cy="7510507"/>
           </a:xfrm>
           <a:prstGeom prst="rect">
             <a:avLst/>
@@ -3985,13 +3984,13 @@
           </p:spPr>
           <p:style>
             <a:lnRef idx="0">
-              <a:schemeClr val="accent5"/>
+              <a:schemeClr val="dk1"/>
             </a:lnRef>
             <a:fillRef idx="3">
-              <a:schemeClr val="accent5"/>
+              <a:schemeClr val="dk1"/>
             </a:fillRef>
             <a:effectRef idx="3">
-              <a:schemeClr val="accent5"/>
+              <a:schemeClr val="dk1"/>
             </a:effectRef>
             <a:fontRef idx="minor">
               <a:schemeClr val="lt1"/>
@@ -4004,7 +4003,7 @@
               <a:pPr algn="ctr"/>
               <a:r>
                 <a:rPr lang="en-US" sz="1600" dirty="0"/>
-                <a:t>CAN TX</a:t>
+                <a:t>Not Connected</a:t>
               </a:r>
             </a:p>
           </p:txBody>
@@ -4026,13 +4025,13 @@
           </p:spPr>
           <p:style>
             <a:lnRef idx="0">
-              <a:schemeClr val="accent3"/>
+              <a:schemeClr val="dk1"/>
             </a:lnRef>
             <a:fillRef idx="3">
-              <a:schemeClr val="accent3"/>
+              <a:schemeClr val="dk1"/>
             </a:fillRef>
             <a:effectRef idx="3">
-              <a:schemeClr val="accent3"/>
+              <a:schemeClr val="dk1"/>
             </a:effectRef>
             <a:fontRef idx="minor">
               <a:schemeClr val="lt1"/>
@@ -4044,8 +4043,8 @@
             <a:p>
               <a:pPr algn="ctr"/>
               <a:r>
-                <a:rPr lang="en-US" sz="1200" dirty="0"/>
-                <a:t>3.3V Rail – SN65HVD230 Logic PWR </a:t>
+                <a:rPr lang="en-US" sz="1600" dirty="0"/>
+                <a:t>Not Connected</a:t>
               </a:r>
             </a:p>
           </p:txBody>
@@ -4067,13 +4066,13 @@
           </p:spPr>
           <p:style>
             <a:lnRef idx="0">
-              <a:schemeClr val="accent4"/>
+              <a:schemeClr val="accent1"/>
             </a:lnRef>
             <a:fillRef idx="3">
-              <a:schemeClr val="accent4"/>
+              <a:schemeClr val="accent1"/>
             </a:fillRef>
             <a:effectRef idx="3">
-              <a:schemeClr val="accent4"/>
+              <a:schemeClr val="accent1"/>
             </a:effectRef>
             <a:fontRef idx="minor">
               <a:schemeClr val="lt1"/>
@@ -4086,7 +4085,7 @@
               <a:pPr algn="ctr"/>
               <a:r>
                 <a:rPr lang="en-US" sz="1400" dirty="0"/>
-                <a:t>CAN Standby if connected</a:t>
+                <a:t>PWM Lighting Control</a:t>
               </a:r>
             </a:p>
           </p:txBody>
@@ -4108,13 +4107,13 @@
           </p:spPr>
           <p:style>
             <a:lnRef idx="0">
-              <a:schemeClr val="accent5"/>
+              <a:schemeClr val="dk1"/>
             </a:lnRef>
             <a:fillRef idx="3">
-              <a:schemeClr val="accent5"/>
+              <a:schemeClr val="dk1"/>
             </a:fillRef>
             <a:effectRef idx="3">
-              <a:schemeClr val="accent5"/>
+              <a:schemeClr val="dk1"/>
             </a:effectRef>
             <a:fontRef idx="minor">
               <a:schemeClr val="lt1"/>
@@ -4127,7 +4126,7 @@
               <a:pPr algn="ctr"/>
               <a:r>
                 <a:rPr lang="en-US" sz="1600" dirty="0"/>
-                <a:t>CAN RX</a:t>
+                <a:t>Not Connected</a:t>
               </a:r>
             </a:p>
           </p:txBody>
@@ -5302,7 +5301,7 @@
               <a:pPr algn="ctr"/>
               <a:r>
                 <a:rPr lang="en-US" sz="1400" dirty="0"/>
-                <a:t>VIN Rail – 5V Regulator Out</a:t>
+                <a:t>Power In (needs VIN – not USB)</a:t>
               </a:r>
             </a:p>
           </p:txBody>
@@ -5468,8 +5467,8 @@
           </p:nvSpPr>
           <p:spPr>
             <a:xfrm>
-              <a:off x="911105" y="2502853"/>
-              <a:ext cx="2379177" cy="954107"/>
+              <a:off x="773246" y="2502853"/>
+              <a:ext cx="2517036" cy="954107"/>
             </a:xfrm>
             <a:prstGeom prst="rect">
               <a:avLst/>
@@ -5491,7 +5490,7 @@
                   </a:solidFill>
                   <a:latin typeface="Arial Black" panose="020B0A04020102020204" pitchFamily="34" charset="0"/>
                 </a:rPr>
-                <a:t>CAN Shield</a:t>
+                <a:t>Light Shield</a:t>
               </a:r>
             </a:p>
             <a:p>
